--- a/office-hours/2025-03-05 RSpace open source office hours #1.pptx
+++ b/office-hours/2025-03-05 RSpace open source office hours #1.pptx
@@ -135,9 +135,143 @@
 <file path=ppt/revisionInfo.xml><?xml version="1.0" encoding="utf-8"?>
 <p1510:revInfo xmlns:a="http://schemas.openxmlformats.org/drawingml/2006/main" xmlns:r="http://schemas.openxmlformats.org/officeDocument/2006/relationships" xmlns:p1510="http://schemas.microsoft.com/office/powerpoint/2015/10/main">
   <p1510:revLst>
-    <p1510:client id="{B583CF30-BF5F-C24B-805C-D3CED9183AB3}" v="30" dt="2025-03-04T13:37:28.316"/>
+    <p1510:client id="{B583CF30-BF5F-C24B-805C-D3CED9183AB3}" v="47" dt="2025-03-05T09:58:22.531"/>
   </p1510:revLst>
 </p1510:revInfo>
+</file>
+
+<file path=ppt/changesInfos/changesInfo1.xml><?xml version="1.0" encoding="utf-8"?>
+<pc:chgInfo xmlns:a="http://schemas.openxmlformats.org/drawingml/2006/main" xmlns:r="http://schemas.openxmlformats.org/officeDocument/2006/relationships" xmlns:ac="http://schemas.microsoft.com/office/drawing/2013/main/command" xmlns:pc="http://schemas.microsoft.com/office/powerpoint/2013/main/command">
+  <pc:docChgLst>
+    <pc:chgData name="Tilo Mathes" userId="15a4678e-1100-4208-86d1-aa501d317186" providerId="ADAL" clId="{B583CF30-BF5F-C24B-805C-D3CED9183AB3}"/>
+    <pc:docChg chg="undo custSel modSld">
+      <pc:chgData name="Tilo Mathes" userId="15a4678e-1100-4208-86d1-aa501d317186" providerId="ADAL" clId="{B583CF30-BF5F-C24B-805C-D3CED9183AB3}" dt="2025-03-05T10:15:32.233" v="671" actId="20577"/>
+      <pc:docMkLst>
+        <pc:docMk/>
+      </pc:docMkLst>
+      <pc:sldChg chg="modSp mod">
+        <pc:chgData name="Tilo Mathes" userId="15a4678e-1100-4208-86d1-aa501d317186" providerId="ADAL" clId="{B583CF30-BF5F-C24B-805C-D3CED9183AB3}" dt="2025-03-05T08:30:18.475" v="82" actId="404"/>
+        <pc:sldMkLst>
+          <pc:docMk/>
+          <pc:sldMk cId="2110749900" sldId="395"/>
+        </pc:sldMkLst>
+        <pc:spChg chg="mod">
+          <ac:chgData name="Tilo Mathes" userId="15a4678e-1100-4208-86d1-aa501d317186" providerId="ADAL" clId="{B583CF30-BF5F-C24B-805C-D3CED9183AB3}" dt="2025-03-05T08:30:18.475" v="82" actId="404"/>
+          <ac:spMkLst>
+            <pc:docMk/>
+            <pc:sldMk cId="2110749900" sldId="395"/>
+            <ac:spMk id="61" creationId="{00000000-0000-0000-0000-000000000000}"/>
+          </ac:spMkLst>
+        </pc:spChg>
+      </pc:sldChg>
+      <pc:sldChg chg="modSp mod">
+        <pc:chgData name="Tilo Mathes" userId="15a4678e-1100-4208-86d1-aa501d317186" providerId="ADAL" clId="{B583CF30-BF5F-C24B-805C-D3CED9183AB3}" dt="2025-03-05T09:58:32.047" v="663" actId="14100"/>
+        <pc:sldMkLst>
+          <pc:docMk/>
+          <pc:sldMk cId="3641304019" sldId="404"/>
+        </pc:sldMkLst>
+        <pc:spChg chg="mod">
+          <ac:chgData name="Tilo Mathes" userId="15a4678e-1100-4208-86d1-aa501d317186" providerId="ADAL" clId="{B583CF30-BF5F-C24B-805C-D3CED9183AB3}" dt="2025-03-05T09:58:32.047" v="663" actId="14100"/>
+          <ac:spMkLst>
+            <pc:docMk/>
+            <pc:sldMk cId="3641304019" sldId="404"/>
+            <ac:spMk id="69" creationId="{00000000-0000-0000-0000-000000000000}"/>
+          </ac:spMkLst>
+        </pc:spChg>
+      </pc:sldChg>
+      <pc:sldChg chg="modSp mod">
+        <pc:chgData name="Tilo Mathes" userId="15a4678e-1100-4208-86d1-aa501d317186" providerId="ADAL" clId="{B583CF30-BF5F-C24B-805C-D3CED9183AB3}" dt="2025-03-05T08:46:48.425" v="606" actId="20577"/>
+        <pc:sldMkLst>
+          <pc:docMk/>
+          <pc:sldMk cId="261982262" sldId="405"/>
+        </pc:sldMkLst>
+        <pc:spChg chg="mod">
+          <ac:chgData name="Tilo Mathes" userId="15a4678e-1100-4208-86d1-aa501d317186" providerId="ADAL" clId="{B583CF30-BF5F-C24B-805C-D3CED9183AB3}" dt="2025-03-05T08:46:48.425" v="606" actId="20577"/>
+          <ac:spMkLst>
+            <pc:docMk/>
+            <pc:sldMk cId="261982262" sldId="405"/>
+            <ac:spMk id="2" creationId="{0EBD94D8-4873-E93A-20F7-3A55A9DE585C}"/>
+          </ac:spMkLst>
+        </pc:spChg>
+      </pc:sldChg>
+      <pc:sldChg chg="modSp mod">
+        <pc:chgData name="Tilo Mathes" userId="15a4678e-1100-4208-86d1-aa501d317186" providerId="ADAL" clId="{B583CF30-BF5F-C24B-805C-D3CED9183AB3}" dt="2025-03-05T08:30:27.886" v="83" actId="404"/>
+        <pc:sldMkLst>
+          <pc:docMk/>
+          <pc:sldMk cId="2441133538" sldId="406"/>
+        </pc:sldMkLst>
+        <pc:spChg chg="mod">
+          <ac:chgData name="Tilo Mathes" userId="15a4678e-1100-4208-86d1-aa501d317186" providerId="ADAL" clId="{B583CF30-BF5F-C24B-805C-D3CED9183AB3}" dt="2025-03-05T08:30:27.886" v="83" actId="404"/>
+          <ac:spMkLst>
+            <pc:docMk/>
+            <pc:sldMk cId="2441133538" sldId="406"/>
+            <ac:spMk id="61" creationId="{EB054699-1E9D-0FE0-B56F-AEE34D634816}"/>
+          </ac:spMkLst>
+        </pc:spChg>
+      </pc:sldChg>
+      <pc:sldChg chg="modSp mod">
+        <pc:chgData name="Tilo Mathes" userId="15a4678e-1100-4208-86d1-aa501d317186" providerId="ADAL" clId="{B583CF30-BF5F-C24B-805C-D3CED9183AB3}" dt="2025-03-05T08:17:28.562" v="79" actId="20577"/>
+        <pc:sldMkLst>
+          <pc:docMk/>
+          <pc:sldMk cId="4114887277" sldId="407"/>
+        </pc:sldMkLst>
+        <pc:spChg chg="mod">
+          <ac:chgData name="Tilo Mathes" userId="15a4678e-1100-4208-86d1-aa501d317186" providerId="ADAL" clId="{B583CF30-BF5F-C24B-805C-D3CED9183AB3}" dt="2025-03-05T08:17:28.562" v="79" actId="20577"/>
+          <ac:spMkLst>
+            <pc:docMk/>
+            <pc:sldMk cId="4114887277" sldId="407"/>
+            <ac:spMk id="61" creationId="{5EFA8113-346A-104F-176F-D8BB10150480}"/>
+          </ac:spMkLst>
+        </pc:spChg>
+      </pc:sldChg>
+      <pc:sldChg chg="modSp mod">
+        <pc:chgData name="Tilo Mathes" userId="15a4678e-1100-4208-86d1-aa501d317186" providerId="ADAL" clId="{B583CF30-BF5F-C24B-805C-D3CED9183AB3}" dt="2025-03-05T08:46:36.186" v="601" actId="20577"/>
+        <pc:sldMkLst>
+          <pc:docMk/>
+          <pc:sldMk cId="4277731696" sldId="408"/>
+        </pc:sldMkLst>
+        <pc:spChg chg="mod">
+          <ac:chgData name="Tilo Mathes" userId="15a4678e-1100-4208-86d1-aa501d317186" providerId="ADAL" clId="{B583CF30-BF5F-C24B-805C-D3CED9183AB3}" dt="2025-03-05T08:46:36.186" v="601" actId="20577"/>
+          <ac:spMkLst>
+            <pc:docMk/>
+            <pc:sldMk cId="4277731696" sldId="408"/>
+            <ac:spMk id="61" creationId="{BCF0AF68-FB74-3729-6ADA-F262909B8C23}"/>
+          </ac:spMkLst>
+        </pc:spChg>
+      </pc:sldChg>
+      <pc:sldChg chg="modSp mod">
+        <pc:chgData name="Tilo Mathes" userId="15a4678e-1100-4208-86d1-aa501d317186" providerId="ADAL" clId="{B583CF30-BF5F-C24B-805C-D3CED9183AB3}" dt="2025-03-05T10:15:32.233" v="671" actId="20577"/>
+        <pc:sldMkLst>
+          <pc:docMk/>
+          <pc:sldMk cId="36688837" sldId="411"/>
+        </pc:sldMkLst>
+        <pc:spChg chg="mod">
+          <ac:chgData name="Tilo Mathes" userId="15a4678e-1100-4208-86d1-aa501d317186" providerId="ADAL" clId="{B583CF30-BF5F-C24B-805C-D3CED9183AB3}" dt="2025-03-05T10:15:32.233" v="671" actId="20577"/>
+          <ac:spMkLst>
+            <pc:docMk/>
+            <pc:sldMk cId="36688837" sldId="411"/>
+            <ac:spMk id="61" creationId="{7CF25A03-2229-0B29-ECC0-F078DC2DC30F}"/>
+          </ac:spMkLst>
+        </pc:spChg>
+      </pc:sldChg>
+      <pc:sldChg chg="modSp mod">
+        <pc:chgData name="Tilo Mathes" userId="15a4678e-1100-4208-86d1-aa501d317186" providerId="ADAL" clId="{B583CF30-BF5F-C24B-805C-D3CED9183AB3}" dt="2025-03-05T08:30:43.500" v="91" actId="20577"/>
+        <pc:sldMkLst>
+          <pc:docMk/>
+          <pc:sldMk cId="3975931295" sldId="412"/>
+        </pc:sldMkLst>
+        <pc:spChg chg="mod">
+          <ac:chgData name="Tilo Mathes" userId="15a4678e-1100-4208-86d1-aa501d317186" providerId="ADAL" clId="{B583CF30-BF5F-C24B-805C-D3CED9183AB3}" dt="2025-03-05T08:30:43.500" v="91" actId="20577"/>
+          <ac:spMkLst>
+            <pc:docMk/>
+            <pc:sldMk cId="3975931295" sldId="412"/>
+            <ac:spMk id="61" creationId="{B2FAE434-354B-2BA3-8E64-240018C880C1}"/>
+          </ac:spMkLst>
+        </pc:spChg>
+      </pc:sldChg>
+    </pc:docChg>
+  </pc:docChgLst>
+</pc:chgInfo>
 </file>
 
 <file path=ppt/diagrams/colors1.xml><?xml version="1.0" encoding="utf-8"?>
@@ -4760,7 +4894,7 @@
             <a:fld id="{8E826730-ADCC-294C-9747-E96371EF9BAA}" type="datetimeFigureOut">
               <a:rPr lang="en-DE" smtClean="0"/>
               <a:pPr/>
-              <a:t>03.03.25</a:t>
+              <a:t>05.03.25</a:t>
             </a:fld>
             <a:endParaRPr lang="en-DE"/>
           </a:p>
@@ -6441,7 +6575,7 @@
           <a:p>
             <a:fld id="{846CE7D5-CF57-46EF-B807-FDD0502418D4}" type="datetimeFigureOut">
               <a:rPr lang="en-US" smtClean="0"/>
-              <a:t>3/3/25</a:t>
+              <a:t>3/5/25</a:t>
             </a:fld>
             <a:endParaRPr lang="en-US"/>
           </a:p>
@@ -6611,7 +6745,7 @@
           <a:p>
             <a:fld id="{846CE7D5-CF57-46EF-B807-FDD0502418D4}" type="datetimeFigureOut">
               <a:rPr lang="en-US" smtClean="0"/>
-              <a:t>3/3/25</a:t>
+              <a:t>3/5/25</a:t>
             </a:fld>
             <a:endParaRPr lang="en-US"/>
           </a:p>
@@ -6791,7 +6925,7 @@
           <a:p>
             <a:fld id="{846CE7D5-CF57-46EF-B807-FDD0502418D4}" type="datetimeFigureOut">
               <a:rPr lang="en-US" smtClean="0"/>
-              <a:t>3/3/25</a:t>
+              <a:t>3/5/25</a:t>
             </a:fld>
             <a:endParaRPr lang="en-US"/>
           </a:p>
@@ -8535,7 +8669,7 @@
           <a:p>
             <a:fld id="{846CE7D5-CF57-46EF-B807-FDD0502418D4}" type="datetimeFigureOut">
               <a:rPr lang="en-US" smtClean="0"/>
-              <a:t>3/3/25</a:t>
+              <a:t>3/5/25</a:t>
             </a:fld>
             <a:endParaRPr lang="en-US"/>
           </a:p>
@@ -8781,7 +8915,7 @@
           <a:p>
             <a:fld id="{846CE7D5-CF57-46EF-B807-FDD0502418D4}" type="datetimeFigureOut">
               <a:rPr lang="en-US" smtClean="0"/>
-              <a:t>3/3/25</a:t>
+              <a:t>3/5/25</a:t>
             </a:fld>
             <a:endParaRPr lang="en-US"/>
           </a:p>
@@ -9013,7 +9147,7 @@
           <a:p>
             <a:fld id="{846CE7D5-CF57-46EF-B807-FDD0502418D4}" type="datetimeFigureOut">
               <a:rPr lang="en-US" smtClean="0"/>
-              <a:t>3/3/25</a:t>
+              <a:t>3/5/25</a:t>
             </a:fld>
             <a:endParaRPr lang="en-US"/>
           </a:p>
@@ -9380,7 +9514,7 @@
           <a:p>
             <a:fld id="{846CE7D5-CF57-46EF-B807-FDD0502418D4}" type="datetimeFigureOut">
               <a:rPr lang="en-US" smtClean="0"/>
-              <a:t>3/3/25</a:t>
+              <a:t>3/5/25</a:t>
             </a:fld>
             <a:endParaRPr lang="en-US"/>
           </a:p>
@@ -9498,7 +9632,7 @@
           <a:p>
             <a:fld id="{846CE7D5-CF57-46EF-B807-FDD0502418D4}" type="datetimeFigureOut">
               <a:rPr lang="en-US" smtClean="0"/>
-              <a:t>3/3/25</a:t>
+              <a:t>3/5/25</a:t>
             </a:fld>
             <a:endParaRPr lang="en-US"/>
           </a:p>
@@ -9593,7 +9727,7 @@
           <a:p>
             <a:fld id="{846CE7D5-CF57-46EF-B807-FDD0502418D4}" type="datetimeFigureOut">
               <a:rPr lang="en-US" smtClean="0"/>
-              <a:t>3/3/25</a:t>
+              <a:t>3/5/25</a:t>
             </a:fld>
             <a:endParaRPr lang="en-US"/>
           </a:p>
@@ -9870,7 +10004,7 @@
           <a:p>
             <a:fld id="{846CE7D5-CF57-46EF-B807-FDD0502418D4}" type="datetimeFigureOut">
               <a:rPr lang="en-US" smtClean="0"/>
-              <a:t>3/3/25</a:t>
+              <a:t>3/5/25</a:t>
             </a:fld>
             <a:endParaRPr lang="en-US"/>
           </a:p>
@@ -10127,7 +10261,7 @@
           <a:p>
             <a:fld id="{846CE7D5-CF57-46EF-B807-FDD0502418D4}" type="datetimeFigureOut">
               <a:rPr lang="en-US" smtClean="0"/>
-              <a:t>3/3/25</a:t>
+              <a:t>3/5/25</a:t>
             </a:fld>
             <a:endParaRPr lang="en-US"/>
           </a:p>
@@ -10345,7 +10479,7 @@
             <a:fld id="{846CE7D5-CF57-46EF-B807-FDD0502418D4}" type="datetimeFigureOut">
               <a:rPr lang="en-US" smtClean="0"/>
               <a:pPr/>
-              <a:t>3/3/25</a:t>
+              <a:t>3/5/25</a:t>
             </a:fld>
             <a:endParaRPr lang="en-US" dirty="0"/>
           </a:p>
@@ -12471,6 +12605,10 @@
           </p:nvPr>
         </p:nvSpPr>
         <p:spPr>
+          <a:xfrm>
+            <a:off x="603248" y="1287495"/>
+            <a:ext cx="10985503" cy="3603993"/>
+          </a:xfrm>
           <a:prstGeom prst="rect">
             <a:avLst/>
           </a:prstGeom>
@@ -12741,6 +12879,99 @@
               </a:rPr>
               <a:t>Thank you!</a:t>
             </a:r>
+            <a:br>
+              <a:rPr lang="en-GB" sz="3600" b="1" dirty="0">
+                <a:solidFill>
+                  <a:srgbClr val="004494"/>
+                </a:solidFill>
+                <a:latin typeface="Roboto" panose="02000000000000000000" pitchFamily="2" charset="0"/>
+                <a:ea typeface="Roboto" panose="02000000000000000000" pitchFamily="2" charset="0"/>
+                <a:cs typeface="Roboto" panose="02000000000000000000" pitchFamily="2" charset="0"/>
+              </a:rPr>
+            </a:br>
+            <a:br>
+              <a:rPr lang="en-GB" sz="3600" b="1" dirty="0">
+                <a:solidFill>
+                  <a:srgbClr val="004494"/>
+                </a:solidFill>
+                <a:latin typeface="Roboto" panose="02000000000000000000" pitchFamily="2" charset="0"/>
+                <a:ea typeface="Roboto" panose="02000000000000000000" pitchFamily="2" charset="0"/>
+                <a:cs typeface="Roboto" panose="02000000000000000000" pitchFamily="2" charset="0"/>
+              </a:rPr>
+            </a:br>
+            <a:r>
+              <a:rPr lang="en-GB" sz="3600" b="1" dirty="0">
+                <a:solidFill>
+                  <a:srgbClr val="004494"/>
+                </a:solidFill>
+                <a:latin typeface="Roboto" panose="02000000000000000000" pitchFamily="2" charset="0"/>
+                <a:ea typeface="Roboto" panose="02000000000000000000" pitchFamily="2" charset="0"/>
+                <a:cs typeface="Roboto" panose="02000000000000000000" pitchFamily="2" charset="0"/>
+              </a:rPr>
+              <a:t>Next office hours May 7</a:t>
+            </a:r>
+            <a:r>
+              <a:rPr lang="en-GB" sz="3600" b="1" baseline="30000" dirty="0">
+                <a:solidFill>
+                  <a:srgbClr val="004494"/>
+                </a:solidFill>
+                <a:latin typeface="Roboto" panose="02000000000000000000" pitchFamily="2" charset="0"/>
+                <a:ea typeface="Roboto" panose="02000000000000000000" pitchFamily="2" charset="0"/>
+                <a:cs typeface="Roboto" panose="02000000000000000000" pitchFamily="2" charset="0"/>
+              </a:rPr>
+              <a:t>th</a:t>
+            </a:r>
+            <a:r>
+              <a:rPr lang="en-GB" sz="3600" b="1" dirty="0">
+                <a:solidFill>
+                  <a:srgbClr val="004494"/>
+                </a:solidFill>
+                <a:latin typeface="Roboto" panose="02000000000000000000" pitchFamily="2" charset="0"/>
+                <a:ea typeface="Roboto" panose="02000000000000000000" pitchFamily="2" charset="0"/>
+                <a:cs typeface="Roboto" panose="02000000000000000000" pitchFamily="2" charset="0"/>
+              </a:rPr>
+              <a:t> 11:30 CET</a:t>
+            </a:r>
+            <a:br>
+              <a:rPr lang="en-GB" sz="3600" b="1" dirty="0">
+                <a:solidFill>
+                  <a:srgbClr val="004494"/>
+                </a:solidFill>
+                <a:latin typeface="Roboto" panose="02000000000000000000" pitchFamily="2" charset="0"/>
+                <a:ea typeface="Roboto" panose="02000000000000000000" pitchFamily="2" charset="0"/>
+                <a:cs typeface="Roboto" panose="02000000000000000000" pitchFamily="2" charset="0"/>
+              </a:rPr>
+            </a:br>
+            <a:br>
+              <a:rPr lang="en-GB" sz="3600" b="1" dirty="0">
+                <a:solidFill>
+                  <a:srgbClr val="004494"/>
+                </a:solidFill>
+                <a:latin typeface="Roboto" panose="02000000000000000000" pitchFamily="2" charset="0"/>
+                <a:ea typeface="Roboto" panose="02000000000000000000" pitchFamily="2" charset="0"/>
+                <a:cs typeface="Roboto" panose="02000000000000000000" pitchFamily="2" charset="0"/>
+              </a:rPr>
+            </a:br>
+            <a:r>
+              <a:rPr lang="en-GB" sz="3600" b="1" dirty="0">
+                <a:solidFill>
+                  <a:srgbClr val="004494"/>
+                </a:solidFill>
+                <a:latin typeface="Roboto" panose="02000000000000000000" pitchFamily="2" charset="0"/>
+                <a:ea typeface="Roboto" panose="02000000000000000000" pitchFamily="2" charset="0"/>
+                <a:cs typeface="Roboto" panose="02000000000000000000" pitchFamily="2" charset="0"/>
+                <a:hlinkClick r:id="rId3"/>
+              </a:rPr>
+              <a:t>register here</a:t>
+            </a:r>
+            <a:endParaRPr lang="en-GB" sz="3600" b="1" dirty="0">
+              <a:solidFill>
+                <a:srgbClr val="004494"/>
+              </a:solidFill>
+              <a:latin typeface="Roboto" panose="02000000000000000000" pitchFamily="2" charset="0"/>
+              <a:ea typeface="Roboto" panose="02000000000000000000" pitchFamily="2" charset="0"/>
+              <a:cs typeface="Roboto" panose="02000000000000000000" pitchFamily="2" charset="0"/>
+            </a:endParaRPr>
           </a:p>
         </p:txBody>
       </p:sp>
@@ -13417,7 +13648,7 @@
                 <a:ea typeface="Roboto" panose="02000000000000000000" pitchFamily="2" charset="0"/>
                 <a:cs typeface="Roboto" panose="02000000000000000000" pitchFamily="2" charset="0"/>
               </a:rPr>
-              <a:t>Raise hands if you want to talk</a:t>
+              <a:t>Raise digital hands if you want to talk</a:t>
             </a:r>
           </a:p>
           <a:p>
@@ -13744,7 +13975,7 @@
               <a:buNone/>
             </a:pPr>
             <a:r>
-              <a:rPr lang="en-GB" sz="3600" b="1">
+              <a:rPr lang="en-GB" sz="3600" b="1" dirty="0">
                 <a:solidFill>
                   <a:srgbClr val="004494"/>
                 </a:solidFill>
@@ -14024,7 +14255,7 @@
               </a:buBlip>
             </a:pPr>
             <a:r>
-              <a:rPr lang="en-GB" sz="3200" dirty="0">
+              <a:rPr lang="en-GB" sz="2800" dirty="0">
                 <a:solidFill>
                   <a:srgbClr val="004494"/>
                 </a:solidFill>
@@ -14046,7 +14277,7 @@
               </a:buBlip>
             </a:pPr>
             <a:r>
-              <a:rPr lang="en-GB" sz="3200" dirty="0">
+              <a:rPr lang="en-GB" sz="2800" dirty="0">
                 <a:solidFill>
                   <a:srgbClr val="004494"/>
                 </a:solidFill>
@@ -14068,7 +14299,7 @@
               </a:buBlip>
             </a:pPr>
             <a:r>
-              <a:rPr lang="en-GB" sz="3200" dirty="0">
+              <a:rPr lang="en-GB" sz="2800" dirty="0">
                 <a:solidFill>
                   <a:srgbClr val="004494"/>
                 </a:solidFill>
@@ -14090,7 +14321,7 @@
               </a:buBlip>
             </a:pPr>
             <a:r>
-              <a:rPr lang="en-GB" sz="3200" dirty="0">
+              <a:rPr lang="en-GB" sz="2800" dirty="0">
                 <a:solidFill>
                   <a:srgbClr val="004494"/>
                 </a:solidFill>
@@ -14112,7 +14343,7 @@
               </a:buBlip>
             </a:pPr>
             <a:r>
-              <a:rPr lang="en-GB" sz="3200" dirty="0">
+              <a:rPr lang="en-GB" sz="2800" dirty="0">
                 <a:solidFill>
                   <a:srgbClr val="004494"/>
                 </a:solidFill>
@@ -14723,7 +14954,7 @@
               </a:buBlip>
             </a:pPr>
             <a:r>
-              <a:rPr lang="en-GB" sz="3200" dirty="0">
+              <a:rPr lang="en-GB" sz="2800" dirty="0">
                 <a:solidFill>
                   <a:srgbClr val="004494"/>
                 </a:solidFill>
@@ -14734,7 +14965,7 @@
               <a:t>Introduce yourself with your…</a:t>
             </a:r>
             <a:br>
-              <a:rPr lang="en-GB" sz="3200" dirty="0">
+              <a:rPr lang="en-GB" sz="2800" dirty="0">
                 <a:solidFill>
                   <a:srgbClr val="004494"/>
                 </a:solidFill>
@@ -14743,7 +14974,7 @@
                 <a:cs typeface="Roboto" panose="02000000000000000000" pitchFamily="2" charset="0"/>
               </a:rPr>
             </a:br>
-            <a:endParaRPr lang="en-GB" sz="3200" dirty="0">
+            <a:endParaRPr lang="en-GB" sz="2800" dirty="0">
               <a:solidFill>
                 <a:srgbClr val="004494"/>
               </a:solidFill>
@@ -15492,7 +15723,7 @@
                 <a:ea typeface="Roboto" panose="02000000000000000000" pitchFamily="2" charset="0"/>
                 <a:cs typeface="Roboto" panose="02000000000000000000" pitchFamily="2" charset="0"/>
               </a:rPr>
-              <a:t>How can we help you today?</a:t>
+              <a:t>How can we support you today?</a:t>
             </a:r>
           </a:p>
         </p:txBody>
@@ -16090,12 +16321,9 @@
                 <a:spcPct val="114999"/>
               </a:lnSpc>
               <a:buSzPct val="100000"/>
-              <a:buBlip>
-                <a:blip r:embed="rId3"/>
-              </a:buBlip>
             </a:pPr>
             <a:r>
-              <a:rPr lang="en-GB" sz="3200" dirty="0" err="1">
+              <a:rPr lang="en-GB" sz="3200" dirty="0">
                 <a:solidFill>
                   <a:srgbClr val="004494"/>
                 </a:solidFill>
@@ -16103,8 +16331,36 @@
                 <a:ea typeface="Roboto" panose="02000000000000000000" pitchFamily="2" charset="0"/>
                 <a:cs typeface="Roboto" panose="02000000000000000000" pitchFamily="2" charset="0"/>
               </a:rPr>
+              <a:t>Organisation page </a:t>
+            </a:r>
+            <a:r>
+              <a:rPr lang="en-GB" sz="3200" dirty="0">
+                <a:solidFill>
+                  <a:srgbClr val="004494"/>
+                </a:solidFill>
+                <a:latin typeface="Roboto" panose="02000000000000000000" pitchFamily="2" charset="0"/>
+                <a:ea typeface="Roboto" panose="02000000000000000000" pitchFamily="2" charset="0"/>
+                <a:cs typeface="Roboto" panose="02000000000000000000" pitchFamily="2" charset="0"/>
+                <a:hlinkClick r:id="rId3"/>
+              </a:rPr>
               <a:t>rspace-os</a:t>
             </a:r>
+            <a:endParaRPr lang="en-GB" sz="3200" dirty="0">
+              <a:solidFill>
+                <a:srgbClr val="004494"/>
+              </a:solidFill>
+              <a:latin typeface="Roboto" panose="02000000000000000000" pitchFamily="2" charset="0"/>
+              <a:ea typeface="Roboto" panose="02000000000000000000" pitchFamily="2" charset="0"/>
+              <a:cs typeface="Roboto" panose="02000000000000000000" pitchFamily="2" charset="0"/>
+            </a:endParaRPr>
+          </a:p>
+          <a:p>
+            <a:pPr marL="571500" indent="-571500">
+              <a:lnSpc>
+                <a:spcPct val="114999"/>
+              </a:lnSpc>
+              <a:buSzPct val="100000"/>
+            </a:pPr>
             <a:r>
               <a:rPr lang="en-GB" sz="3200" dirty="0">
                 <a:solidFill>
@@ -16114,8 +16370,63 @@
                 <a:ea typeface="Roboto" panose="02000000000000000000" pitchFamily="2" charset="0"/>
                 <a:cs typeface="Roboto" panose="02000000000000000000" pitchFamily="2" charset="0"/>
               </a:rPr>
-              <a:t>: organisation page</a:t>
+              <a:t>Main repositories: </a:t>
             </a:r>
+            <a:r>
+              <a:rPr lang="en-GB" sz="3200" dirty="0">
+                <a:solidFill>
+                  <a:srgbClr val="004494"/>
+                </a:solidFill>
+                <a:latin typeface="Roboto" panose="02000000000000000000" pitchFamily="2" charset="0"/>
+                <a:ea typeface="Roboto" panose="02000000000000000000" pitchFamily="2" charset="0"/>
+                <a:cs typeface="Roboto" panose="02000000000000000000" pitchFamily="2" charset="0"/>
+                <a:hlinkClick r:id="rId4"/>
+              </a:rPr>
+              <a:t>rspace-web</a:t>
+            </a:r>
+            <a:r>
+              <a:rPr lang="en-GB" sz="3200" dirty="0">
+                <a:solidFill>
+                  <a:srgbClr val="004494"/>
+                </a:solidFill>
+                <a:latin typeface="Roboto" panose="02000000000000000000" pitchFamily="2" charset="0"/>
+                <a:ea typeface="Roboto" panose="02000000000000000000" pitchFamily="2" charset="0"/>
+                <a:cs typeface="Roboto" panose="02000000000000000000" pitchFamily="2" charset="0"/>
+              </a:rPr>
+              <a:t>; </a:t>
+            </a:r>
+            <a:r>
+              <a:rPr lang="en-GB" sz="3200" dirty="0" err="1">
+                <a:solidFill>
+                  <a:srgbClr val="004494"/>
+                </a:solidFill>
+                <a:latin typeface="Roboto" panose="02000000000000000000" pitchFamily="2" charset="0"/>
+                <a:ea typeface="Roboto" panose="02000000000000000000" pitchFamily="2" charset="0"/>
+                <a:cs typeface="Roboto" panose="02000000000000000000" pitchFamily="2" charset="0"/>
+                <a:hlinkClick r:id="rId5"/>
+              </a:rPr>
+              <a:t>rspace</a:t>
+            </a:r>
+            <a:r>
+              <a:rPr lang="en-GB" sz="3200" dirty="0">
+                <a:solidFill>
+                  <a:srgbClr val="004494"/>
+                </a:solidFill>
+                <a:latin typeface="Roboto" panose="02000000000000000000" pitchFamily="2" charset="0"/>
+                <a:ea typeface="Roboto" panose="02000000000000000000" pitchFamily="2" charset="0"/>
+                <a:cs typeface="Roboto" panose="02000000000000000000" pitchFamily="2" charset="0"/>
+                <a:hlinkClick r:id="rId5"/>
+              </a:rPr>
+              <a:t>-docker</a:t>
+            </a:r>
+            <a:endParaRPr lang="en-GB" sz="3200" dirty="0">
+              <a:solidFill>
+                <a:srgbClr val="004494"/>
+              </a:solidFill>
+              <a:latin typeface="Roboto" panose="02000000000000000000" pitchFamily="2" charset="0"/>
+              <a:ea typeface="Roboto" panose="02000000000000000000" pitchFamily="2" charset="0"/>
+              <a:cs typeface="Roboto" panose="02000000000000000000" pitchFamily="2" charset="0"/>
+            </a:endParaRPr>
           </a:p>
           <a:p>
             <a:pPr marL="571500" indent="-571500">
@@ -16133,8 +16444,51 @@
                 <a:ea typeface="Roboto" panose="02000000000000000000" pitchFamily="2" charset="0"/>
                 <a:cs typeface="Roboto" panose="02000000000000000000" pitchFamily="2" charset="0"/>
               </a:rPr>
-              <a:t>Main repositories</a:t>
+              <a:t>Documentation: </a:t>
             </a:r>
+            <a:r>
+              <a:rPr lang="en-GB" sz="3200" dirty="0">
+                <a:solidFill>
+                  <a:srgbClr val="004494"/>
+                </a:solidFill>
+                <a:latin typeface="Roboto" panose="02000000000000000000" pitchFamily="2" charset="0"/>
+                <a:ea typeface="Roboto" panose="02000000000000000000" pitchFamily="2" charset="0"/>
+                <a:cs typeface="Roboto" panose="02000000000000000000" pitchFamily="2" charset="0"/>
+                <a:hlinkClick r:id="rId6"/>
+              </a:rPr>
+              <a:t>product</a:t>
+            </a:r>
+            <a:r>
+              <a:rPr lang="en-GB" sz="3200" dirty="0">
+                <a:solidFill>
+                  <a:srgbClr val="004494"/>
+                </a:solidFill>
+                <a:latin typeface="Roboto" panose="02000000000000000000" pitchFamily="2" charset="0"/>
+                <a:ea typeface="Roboto" panose="02000000000000000000" pitchFamily="2" charset="0"/>
+                <a:cs typeface="Roboto" panose="02000000000000000000" pitchFamily="2" charset="0"/>
+              </a:rPr>
+              <a:t>; </a:t>
+            </a:r>
+            <a:r>
+              <a:rPr lang="en-GB" sz="3200" dirty="0">
+                <a:solidFill>
+                  <a:srgbClr val="004494"/>
+                </a:solidFill>
+                <a:latin typeface="Roboto" panose="02000000000000000000" pitchFamily="2" charset="0"/>
+                <a:ea typeface="Roboto" panose="02000000000000000000" pitchFamily="2" charset="0"/>
+                <a:cs typeface="Roboto" panose="02000000000000000000" pitchFamily="2" charset="0"/>
+                <a:hlinkClick r:id="rId7"/>
+              </a:rPr>
+              <a:t>dev</a:t>
+            </a:r>
+            <a:endParaRPr lang="en-GB" sz="3200" dirty="0">
+              <a:solidFill>
+                <a:srgbClr val="004494"/>
+              </a:solidFill>
+              <a:latin typeface="Roboto" panose="02000000000000000000" pitchFamily="2" charset="0"/>
+              <a:ea typeface="Roboto" panose="02000000000000000000" pitchFamily="2" charset="0"/>
+              <a:cs typeface="Roboto" panose="02000000000000000000" pitchFamily="2" charset="0"/>
+            </a:endParaRPr>
           </a:p>
           <a:p>
             <a:pPr marL="571500" indent="-571500">
@@ -16152,8 +16506,28 @@
                 <a:ea typeface="Roboto" panose="02000000000000000000" pitchFamily="2" charset="0"/>
                 <a:cs typeface="Roboto" panose="02000000000000000000" pitchFamily="2" charset="0"/>
               </a:rPr>
-              <a:t>Documentation</a:t>
+              <a:t>RSpace </a:t>
             </a:r>
+            <a:r>
+              <a:rPr lang="en-GB" sz="3200" dirty="0">
+                <a:solidFill>
+                  <a:srgbClr val="004494"/>
+                </a:solidFill>
+                <a:latin typeface="Roboto" panose="02000000000000000000" pitchFamily="2" charset="0"/>
+                <a:ea typeface="Roboto" panose="02000000000000000000" pitchFamily="2" charset="0"/>
+                <a:cs typeface="Roboto" panose="02000000000000000000" pitchFamily="2" charset="0"/>
+                <a:hlinkClick r:id="rId8"/>
+              </a:rPr>
+              <a:t>wiki</a:t>
+            </a:r>
+            <a:endParaRPr lang="en-GB" sz="3200" dirty="0">
+              <a:solidFill>
+                <a:srgbClr val="004494"/>
+              </a:solidFill>
+              <a:latin typeface="Roboto" panose="02000000000000000000" pitchFamily="2" charset="0"/>
+              <a:ea typeface="Roboto" panose="02000000000000000000" pitchFamily="2" charset="0"/>
+              <a:cs typeface="Roboto" panose="02000000000000000000" pitchFamily="2" charset="0"/>
+            </a:endParaRPr>
           </a:p>
           <a:p>
             <a:pPr marL="571500" indent="-571500">
@@ -16170,9 +16544,18 @@
                 <a:latin typeface="Roboto" panose="02000000000000000000" pitchFamily="2" charset="0"/>
                 <a:ea typeface="Roboto" panose="02000000000000000000" pitchFamily="2" charset="0"/>
                 <a:cs typeface="Roboto" panose="02000000000000000000" pitchFamily="2" charset="0"/>
+                <a:hlinkClick r:id="rId9"/>
               </a:rPr>
-              <a:t>RSpace wiki</a:t>
+              <a:t>Community projects</a:t>
             </a:r>
+            <a:endParaRPr lang="en-GB" sz="3200" dirty="0">
+              <a:solidFill>
+                <a:srgbClr val="004494"/>
+              </a:solidFill>
+              <a:latin typeface="Roboto" panose="02000000000000000000" pitchFamily="2" charset="0"/>
+              <a:ea typeface="Roboto" panose="02000000000000000000" pitchFamily="2" charset="0"/>
+              <a:cs typeface="Roboto" panose="02000000000000000000" pitchFamily="2" charset="0"/>
+            </a:endParaRPr>
           </a:p>
           <a:p>
             <a:pPr marL="571500" indent="-571500">
@@ -16190,16 +16573,20 @@
                 <a:ea typeface="Roboto" panose="02000000000000000000" pitchFamily="2" charset="0"/>
                 <a:cs typeface="Roboto" panose="02000000000000000000" pitchFamily="2" charset="0"/>
               </a:rPr>
-              <a:t>Community projects</a:t>
+              <a:t>Projects – </a:t>
             </a:r>
-          </a:p>
-          <a:p>
-            <a:pPr marL="571500" indent="-571500">
-              <a:lnSpc>
-                <a:spcPct val="114999"/>
-              </a:lnSpc>
-              <a:buSzPct val="100000"/>
-            </a:pPr>
+            <a:r>
+              <a:rPr lang="en-GB" sz="3200" dirty="0">
+                <a:solidFill>
+                  <a:srgbClr val="004494"/>
+                </a:solidFill>
+                <a:latin typeface="Roboto" panose="02000000000000000000" pitchFamily="2" charset="0"/>
+                <a:ea typeface="Roboto" panose="02000000000000000000" pitchFamily="2" charset="0"/>
+                <a:cs typeface="Roboto" panose="02000000000000000000" pitchFamily="2" charset="0"/>
+                <a:hlinkClick r:id="rId10"/>
+              </a:rPr>
+              <a:t>roadmap</a:t>
+            </a:r>
             <a:r>
               <a:rPr lang="en-GB" sz="3200" dirty="0">
                 <a:solidFill>
@@ -16209,8 +16596,28 @@
                 <a:ea typeface="Roboto" panose="02000000000000000000" pitchFamily="2" charset="0"/>
                 <a:cs typeface="Roboto" panose="02000000000000000000" pitchFamily="2" charset="0"/>
               </a:rPr>
-              <a:t>Projects – roadmap and issue tracker</a:t>
+              <a:t> and </a:t>
             </a:r>
+            <a:r>
+              <a:rPr lang="en-GB" sz="3200" dirty="0">
+                <a:solidFill>
+                  <a:srgbClr val="004494"/>
+                </a:solidFill>
+                <a:latin typeface="Roboto" panose="02000000000000000000" pitchFamily="2" charset="0"/>
+                <a:ea typeface="Roboto" panose="02000000000000000000" pitchFamily="2" charset="0"/>
+                <a:cs typeface="Roboto" panose="02000000000000000000" pitchFamily="2" charset="0"/>
+                <a:hlinkClick r:id="rId11"/>
+              </a:rPr>
+              <a:t>issue tracker</a:t>
+            </a:r>
+            <a:endParaRPr lang="en-GB" sz="3200" dirty="0">
+              <a:solidFill>
+                <a:srgbClr val="004494"/>
+              </a:solidFill>
+              <a:latin typeface="Roboto" panose="02000000000000000000" pitchFamily="2" charset="0"/>
+              <a:ea typeface="Roboto" panose="02000000000000000000" pitchFamily="2" charset="0"/>
+              <a:cs typeface="Roboto" panose="02000000000000000000" pitchFamily="2" charset="0"/>
+            </a:endParaRPr>
           </a:p>
         </p:txBody>
       </p:sp>
@@ -16570,7 +16977,7 @@
         </p:spPr>
         <p:txBody>
           <a:bodyPr spcFirstLastPara="1" wrap="square" lIns="25400" tIns="25400" rIns="25400" bIns="25400" anchor="ctr" anchorCtr="0">
-            <a:normAutofit/>
+            <a:normAutofit lnSpcReduction="10000"/>
           </a:bodyPr>
           <a:lstStyle>
             <a:defPPr marR="0" lvl="0" algn="l" rtl="0">
@@ -16804,7 +17211,7 @@
           <a:p>
             <a:pPr marL="571500" indent="-571500">
               <a:lnSpc>
-                <a:spcPct val="114999"/>
+                <a:spcPct val="120000"/>
               </a:lnSpc>
               <a:buSzPct val="100000"/>
               <a:buBlip>
@@ -16812,7 +17219,97 @@
               </a:buBlip>
             </a:pPr>
             <a:r>
-              <a:rPr lang="en-GB" sz="3200" dirty="0">
+              <a:rPr lang="en-GB" sz="2400" dirty="0">
+                <a:solidFill>
+                  <a:srgbClr val="004494"/>
+                </a:solidFill>
+                <a:latin typeface="Roboto" panose="02000000000000000000" pitchFamily="2" charset="0"/>
+                <a:ea typeface="Roboto" panose="02000000000000000000" pitchFamily="2" charset="0"/>
+                <a:cs typeface="Roboto" panose="02000000000000000000" pitchFamily="2" charset="0"/>
+                <a:hlinkClick r:id="rId4"/>
+              </a:rPr>
+              <a:t>Code of conduct</a:t>
+            </a:r>
+            <a:endParaRPr lang="en-GB" sz="2400" dirty="0">
+              <a:solidFill>
+                <a:srgbClr val="004494"/>
+              </a:solidFill>
+              <a:latin typeface="Roboto" panose="02000000000000000000" pitchFamily="2" charset="0"/>
+              <a:ea typeface="Roboto" panose="02000000000000000000" pitchFamily="2" charset="0"/>
+              <a:cs typeface="Roboto" panose="02000000000000000000" pitchFamily="2" charset="0"/>
+            </a:endParaRPr>
+          </a:p>
+          <a:p>
+            <a:pPr marL="571500" indent="-571500">
+              <a:lnSpc>
+                <a:spcPct val="120000"/>
+              </a:lnSpc>
+              <a:buSzPct val="100000"/>
+              <a:buBlip>
+                <a:blip r:embed="rId3"/>
+              </a:buBlip>
+            </a:pPr>
+            <a:r>
+              <a:rPr lang="en-GB" sz="2400" dirty="0">
+                <a:solidFill>
+                  <a:srgbClr val="004494"/>
+                </a:solidFill>
+                <a:latin typeface="Roboto" panose="02000000000000000000" pitchFamily="2" charset="0"/>
+                <a:ea typeface="Roboto" panose="02000000000000000000" pitchFamily="2" charset="0"/>
+                <a:cs typeface="Roboto" panose="02000000000000000000" pitchFamily="2" charset="0"/>
+              </a:rPr>
+              <a:t>Contributor guidelines: </a:t>
+            </a:r>
+            <a:r>
+              <a:rPr lang="en-GB" sz="2400" dirty="0">
+                <a:solidFill>
+                  <a:srgbClr val="004494"/>
+                </a:solidFill>
+                <a:latin typeface="Roboto" panose="02000000000000000000" pitchFamily="2" charset="0"/>
+                <a:ea typeface="Roboto" panose="02000000000000000000" pitchFamily="2" charset="0"/>
+                <a:cs typeface="Roboto" panose="02000000000000000000" pitchFamily="2" charset="0"/>
+                <a:hlinkClick r:id="rId5"/>
+              </a:rPr>
+              <a:t>contributing.md</a:t>
+            </a:r>
+            <a:endParaRPr lang="en-GB" sz="2400" dirty="0">
+              <a:solidFill>
+                <a:srgbClr val="004494"/>
+              </a:solidFill>
+              <a:latin typeface="Roboto" panose="02000000000000000000" pitchFamily="2" charset="0"/>
+              <a:ea typeface="Roboto" panose="02000000000000000000" pitchFamily="2" charset="0"/>
+              <a:cs typeface="Roboto" panose="02000000000000000000" pitchFamily="2" charset="0"/>
+            </a:endParaRPr>
+          </a:p>
+          <a:p>
+            <a:pPr marL="0" indent="0">
+              <a:lnSpc>
+                <a:spcPct val="120000"/>
+              </a:lnSpc>
+              <a:buSzPct val="100000"/>
+              <a:buNone/>
+            </a:pPr>
+            <a:endParaRPr lang="en-GB" sz="2400" dirty="0">
+              <a:solidFill>
+                <a:srgbClr val="004494"/>
+              </a:solidFill>
+              <a:latin typeface="Roboto" panose="02000000000000000000" pitchFamily="2" charset="0"/>
+              <a:ea typeface="Roboto" panose="02000000000000000000" pitchFamily="2" charset="0"/>
+              <a:cs typeface="Roboto" panose="02000000000000000000" pitchFamily="2" charset="0"/>
+            </a:endParaRPr>
+          </a:p>
+          <a:p>
+            <a:pPr marL="571500" indent="-571500">
+              <a:lnSpc>
+                <a:spcPct val="120000"/>
+              </a:lnSpc>
+              <a:buSzPct val="100000"/>
+              <a:buBlip>
+                <a:blip r:embed="rId3"/>
+              </a:buBlip>
+            </a:pPr>
+            <a:r>
+              <a:rPr lang="en-GB" sz="2400" dirty="0">
                 <a:solidFill>
                   <a:srgbClr val="004494"/>
                 </a:solidFill>
@@ -16824,17 +17321,14 @@
             </a:r>
           </a:p>
           <a:p>
-            <a:pPr marL="571500" indent="-571500">
-              <a:lnSpc>
-                <a:spcPct val="114999"/>
+            <a:pPr marL="1028700" lvl="1" indent="-571500">
+              <a:lnSpc>
+                <a:spcPct val="120000"/>
               </a:lnSpc>
               <a:buSzPct val="100000"/>
-              <a:buBlip>
-                <a:blip r:embed="rId3"/>
-              </a:buBlip>
             </a:pPr>
             <a:r>
-              <a:rPr lang="en-GB" sz="3200" dirty="0">
+              <a:rPr lang="en-GB" sz="2400" dirty="0">
                 <a:solidFill>
                   <a:srgbClr val="004494"/>
                 </a:solidFill>
@@ -16842,18 +17336,102 @@
                 <a:ea typeface="Roboto" panose="02000000000000000000" pitchFamily="2" charset="0"/>
                 <a:cs typeface="Roboto" panose="02000000000000000000" pitchFamily="2" charset="0"/>
               </a:rPr>
-              <a:t>Raising issues via forms</a:t>
+              <a:t>code -&gt; </a:t>
+            </a:r>
+            <a:r>
+              <a:rPr lang="en-GB" sz="2400" dirty="0">
+                <a:solidFill>
+                  <a:srgbClr val="004494"/>
+                </a:solidFill>
+                <a:latin typeface="Roboto" panose="02000000000000000000" pitchFamily="2" charset="0"/>
+                <a:ea typeface="Roboto" panose="02000000000000000000" pitchFamily="2" charset="0"/>
+                <a:cs typeface="Roboto" panose="02000000000000000000" pitchFamily="2" charset="0"/>
+                <a:hlinkClick r:id="rId6"/>
+              </a:rPr>
+              <a:t>developer documentation</a:t>
+            </a:r>
+            <a:endParaRPr lang="en-GB" sz="2400" dirty="0">
+              <a:solidFill>
+                <a:srgbClr val="004494"/>
+              </a:solidFill>
+              <a:latin typeface="Roboto" panose="02000000000000000000" pitchFamily="2" charset="0"/>
+              <a:ea typeface="Roboto" panose="02000000000000000000" pitchFamily="2" charset="0"/>
+              <a:cs typeface="Roboto" panose="02000000000000000000" pitchFamily="2" charset="0"/>
+            </a:endParaRPr>
+          </a:p>
+          <a:p>
+            <a:pPr marL="1028700" lvl="1" indent="-571500">
+              <a:lnSpc>
+                <a:spcPct val="120000"/>
+              </a:lnSpc>
+              <a:buSzPct val="100000"/>
+            </a:pPr>
+            <a:r>
+              <a:rPr lang="en-GB" sz="2400" dirty="0">
+                <a:solidFill>
+                  <a:srgbClr val="004494"/>
+                </a:solidFill>
+                <a:latin typeface="Roboto" panose="02000000000000000000" pitchFamily="2" charset="0"/>
+                <a:ea typeface="Roboto" panose="02000000000000000000" pitchFamily="2" charset="0"/>
+                <a:cs typeface="Roboto" panose="02000000000000000000" pitchFamily="2" charset="0"/>
+              </a:rPr>
+              <a:t>bug reports -&gt; </a:t>
+            </a:r>
+            <a:r>
+              <a:rPr lang="en-GB" sz="2400" dirty="0">
+                <a:solidFill>
+                  <a:srgbClr val="004494"/>
+                </a:solidFill>
+                <a:latin typeface="Roboto" panose="02000000000000000000" pitchFamily="2" charset="0"/>
+                <a:ea typeface="Roboto" panose="02000000000000000000" pitchFamily="2" charset="0"/>
+                <a:cs typeface="Roboto" panose="02000000000000000000" pitchFamily="2" charset="0"/>
+                <a:hlinkClick r:id="rId7"/>
+              </a:rPr>
+              <a:t>issue form</a:t>
+            </a:r>
+            <a:r>
+              <a:rPr lang="en-GB" sz="2400" dirty="0">
+                <a:solidFill>
+                  <a:srgbClr val="004494"/>
+                </a:solidFill>
+                <a:latin typeface="Roboto" panose="02000000000000000000" pitchFamily="2" charset="0"/>
+                <a:ea typeface="Roboto" panose="02000000000000000000" pitchFamily="2" charset="0"/>
+                <a:cs typeface="Roboto" panose="02000000000000000000" pitchFamily="2" charset="0"/>
+              </a:rPr>
+              <a:t> on </a:t>
+            </a:r>
+            <a:r>
+              <a:rPr lang="en-GB" sz="2400" dirty="0" err="1">
+                <a:solidFill>
+                  <a:srgbClr val="004494"/>
+                </a:solidFill>
+                <a:latin typeface="Roboto" panose="02000000000000000000" pitchFamily="2" charset="0"/>
+                <a:ea typeface="Roboto" panose="02000000000000000000" pitchFamily="2" charset="0"/>
+                <a:cs typeface="Roboto" panose="02000000000000000000" pitchFamily="2" charset="0"/>
+              </a:rPr>
+              <a:t>rspace</a:t>
+            </a:r>
+            <a:r>
+              <a:rPr lang="en-GB" sz="2400" dirty="0">
+                <a:solidFill>
+                  <a:srgbClr val="004494"/>
+                </a:solidFill>
+                <a:latin typeface="Roboto" panose="02000000000000000000" pitchFamily="2" charset="0"/>
+                <a:ea typeface="Roboto" panose="02000000000000000000" pitchFamily="2" charset="0"/>
+                <a:cs typeface="Roboto" panose="02000000000000000000" pitchFamily="2" charset="0"/>
+              </a:rPr>
+              <a:t>-web</a:t>
             </a:r>
           </a:p>
           <a:p>
             <a:pPr marL="1028700" lvl="1" indent="-571500">
               <a:lnSpc>
-                <a:spcPct val="114999"/>
+                <a:spcPct val="120000"/>
               </a:lnSpc>
               <a:buSzPct val="100000"/>
             </a:pPr>
             <a:r>
-              <a:rPr lang="en-GB" sz="3200" dirty="0">
+              <a:rPr lang="en-GB" sz="2400" dirty="0">
                 <a:solidFill>
                   <a:srgbClr val="004494"/>
                 </a:solidFill>
@@ -16861,21 +17439,22 @@
                 <a:ea typeface="Roboto" panose="02000000000000000000" pitchFamily="2" charset="0"/>
                 <a:cs typeface="Roboto" panose="02000000000000000000" pitchFamily="2" charset="0"/>
               </a:rPr>
-              <a:t>Bugs and feature ideas</a:t>
+              <a:t>feature ideas -&gt; </a:t>
             </a:r>
-          </a:p>
-          <a:p>
-            <a:pPr marL="571500" indent="-571500">
-              <a:lnSpc>
-                <a:spcPct val="114999"/>
-              </a:lnSpc>
-              <a:buSzPct val="100000"/>
-              <a:buBlip>
-                <a:blip r:embed="rId3"/>
-              </a:buBlip>
-            </a:pPr>
             <a:r>
-              <a:rPr lang="en-GB" sz="3200" dirty="0">
+              <a:rPr lang="en-GB" sz="2400" dirty="0">
+                <a:solidFill>
+                  <a:srgbClr val="004494"/>
+                </a:solidFill>
+                <a:latin typeface="Roboto" panose="02000000000000000000" pitchFamily="2" charset="0"/>
+                <a:ea typeface="Roboto" panose="02000000000000000000" pitchFamily="2" charset="0"/>
+                <a:cs typeface="Roboto" panose="02000000000000000000" pitchFamily="2" charset="0"/>
+                <a:hlinkClick r:id="rId7"/>
+              </a:rPr>
+              <a:t>issue form</a:t>
+            </a:r>
+            <a:r>
+              <a:rPr lang="en-GB" sz="2400" dirty="0">
                 <a:solidFill>
                   <a:srgbClr val="004494"/>
                 </a:solidFill>
@@ -16883,7 +17462,135 @@
                 <a:ea typeface="Roboto" panose="02000000000000000000" pitchFamily="2" charset="0"/>
                 <a:cs typeface="Roboto" panose="02000000000000000000" pitchFamily="2" charset="0"/>
               </a:rPr>
-              <a:t>Security vulnerabilities</a:t>
+              <a:t> on </a:t>
+            </a:r>
+            <a:r>
+              <a:rPr lang="en-GB" sz="2400" dirty="0" err="1">
+                <a:solidFill>
+                  <a:srgbClr val="004494"/>
+                </a:solidFill>
+                <a:latin typeface="Roboto" panose="02000000000000000000" pitchFamily="2" charset="0"/>
+                <a:ea typeface="Roboto" panose="02000000000000000000" pitchFamily="2" charset="0"/>
+                <a:cs typeface="Roboto" panose="02000000000000000000" pitchFamily="2" charset="0"/>
+              </a:rPr>
+              <a:t>rspace</a:t>
+            </a:r>
+            <a:r>
+              <a:rPr lang="en-GB" sz="2400" dirty="0">
+                <a:solidFill>
+                  <a:srgbClr val="004494"/>
+                </a:solidFill>
+                <a:latin typeface="Roboto" panose="02000000000000000000" pitchFamily="2" charset="0"/>
+                <a:ea typeface="Roboto" panose="02000000000000000000" pitchFamily="2" charset="0"/>
+                <a:cs typeface="Roboto" panose="02000000000000000000" pitchFamily="2" charset="0"/>
+              </a:rPr>
+              <a:t>-web</a:t>
+            </a:r>
+          </a:p>
+          <a:p>
+            <a:pPr marL="1028700" lvl="1" indent="-571500">
+              <a:lnSpc>
+                <a:spcPct val="120000"/>
+              </a:lnSpc>
+              <a:buSzPct val="100000"/>
+            </a:pPr>
+            <a:r>
+              <a:rPr lang="en-GB" sz="2400" dirty="0">
+                <a:solidFill>
+                  <a:srgbClr val="004494"/>
+                </a:solidFill>
+                <a:latin typeface="Roboto" panose="02000000000000000000" pitchFamily="2" charset="0"/>
+                <a:ea typeface="Roboto" panose="02000000000000000000" pitchFamily="2" charset="0"/>
+                <a:cs typeface="Roboto" panose="02000000000000000000" pitchFamily="2" charset="0"/>
+              </a:rPr>
+              <a:t>reporting security vulnerabilities -&gt; </a:t>
+            </a:r>
+            <a:r>
+              <a:rPr lang="en-GB" sz="2400" dirty="0">
+                <a:solidFill>
+                  <a:srgbClr val="004494"/>
+                </a:solidFill>
+                <a:latin typeface="Roboto" panose="02000000000000000000" pitchFamily="2" charset="0"/>
+                <a:ea typeface="Roboto" panose="02000000000000000000" pitchFamily="2" charset="0"/>
+                <a:cs typeface="Roboto" panose="02000000000000000000" pitchFamily="2" charset="0"/>
+                <a:hlinkClick r:id="rId8"/>
+              </a:rPr>
+              <a:t>security.md</a:t>
+            </a:r>
+            <a:endParaRPr lang="en-GB" sz="2400" dirty="0">
+              <a:solidFill>
+                <a:srgbClr val="004494"/>
+              </a:solidFill>
+              <a:latin typeface="Roboto" panose="02000000000000000000" pitchFamily="2" charset="0"/>
+              <a:ea typeface="Roboto" panose="02000000000000000000" pitchFamily="2" charset="0"/>
+              <a:cs typeface="Roboto" panose="02000000000000000000" pitchFamily="2" charset="0"/>
+            </a:endParaRPr>
+          </a:p>
+          <a:p>
+            <a:pPr marL="457200" lvl="1" indent="0">
+              <a:lnSpc>
+                <a:spcPct val="120000"/>
+              </a:lnSpc>
+              <a:buSzPct val="100000"/>
+              <a:buNone/>
+            </a:pPr>
+            <a:endParaRPr lang="en-GB" sz="2400" dirty="0">
+              <a:solidFill>
+                <a:srgbClr val="004494"/>
+              </a:solidFill>
+              <a:latin typeface="Roboto" panose="02000000000000000000" pitchFamily="2" charset="0"/>
+              <a:ea typeface="Roboto" panose="02000000000000000000" pitchFamily="2" charset="0"/>
+              <a:cs typeface="Roboto" panose="02000000000000000000" pitchFamily="2" charset="0"/>
+            </a:endParaRPr>
+          </a:p>
+          <a:p>
+            <a:pPr marL="571500" indent="-571500">
+              <a:lnSpc>
+                <a:spcPct val="120000"/>
+              </a:lnSpc>
+              <a:buSzPct val="100000"/>
+            </a:pPr>
+            <a:r>
+              <a:rPr lang="en-GB" sz="2400" dirty="0">
+                <a:solidFill>
+                  <a:srgbClr val="004494"/>
+                </a:solidFill>
+                <a:latin typeface="Roboto" panose="02000000000000000000" pitchFamily="2" charset="0"/>
+                <a:ea typeface="Roboto" panose="02000000000000000000" pitchFamily="2" charset="0"/>
+                <a:cs typeface="Roboto" panose="02000000000000000000" pitchFamily="2" charset="0"/>
+              </a:rPr>
+              <a:t>Anything else</a:t>
+            </a:r>
+          </a:p>
+          <a:p>
+            <a:pPr marL="1028700" lvl="1" indent="-571500">
+              <a:lnSpc>
+                <a:spcPct val="120000"/>
+              </a:lnSpc>
+              <a:buSzPct val="100000"/>
+            </a:pPr>
+            <a:r>
+              <a:rPr lang="en-GB" sz="2400" dirty="0">
+                <a:solidFill>
+                  <a:srgbClr val="004494"/>
+                </a:solidFill>
+                <a:latin typeface="Roboto" panose="02000000000000000000" pitchFamily="2" charset="0"/>
+                <a:ea typeface="Roboto" panose="02000000000000000000" pitchFamily="2" charset="0"/>
+                <a:cs typeface="Roboto" panose="02000000000000000000" pitchFamily="2" charset="0"/>
+                <a:hlinkClick r:id="rId9"/>
+              </a:rPr>
+              <a:t>https://github.com/rspace-os/rspace-web/wiki/Contact</a:t>
+            </a:r>
+            <a:r>
+              <a:rPr lang="en-GB" sz="2400" dirty="0">
+                <a:solidFill>
+                  <a:srgbClr val="004494"/>
+                </a:solidFill>
+                <a:latin typeface="Roboto" panose="02000000000000000000" pitchFamily="2" charset="0"/>
+                <a:ea typeface="Roboto" panose="02000000000000000000" pitchFamily="2" charset="0"/>
+                <a:cs typeface="Roboto" panose="02000000000000000000" pitchFamily="2" charset="0"/>
+              </a:rPr>
+              <a:t> </a:t>
             </a:r>
           </a:p>
         </p:txBody>
@@ -16947,7 +17654,7 @@
                   <a:srgbClr val="004494"/>
                 </a:solidFill>
               </a:rPr>
-              <a:t>RSpace development priorities</a:t>
+              <a:t>RSpace development priorities 2025</a:t>
             </a:r>
           </a:p>
         </p:txBody>
@@ -25741,6 +26448,15 @@
 </file>
 
 <file path=customXml/item1.xml><?xml version="1.0" encoding="utf-8"?>
+<?mso-contentType ?>
+<FormTemplates xmlns="http://schemas.microsoft.com/sharepoint/v3/contenttype/forms">
+  <Display>DocumentLibraryForm</Display>
+  <Edit>DocumentLibraryForm</Edit>
+  <New>DocumentLibraryForm</New>
+</FormTemplates>
+</file>
+
+<file path=customXml/item2.xml><?xml version="1.0" encoding="utf-8"?>
 <ct:contentTypeSchema xmlns:ct="http://schemas.microsoft.com/office/2006/metadata/contentType" xmlns:ma="http://schemas.microsoft.com/office/2006/metadata/properties/metaAttributes" ct:_="" ma:_="" ma:contentTypeName="Document" ma:contentTypeID="0x0101001EF215C421CA1F4489E778905064C08F" ma:contentTypeVersion="13" ma:contentTypeDescription="Create a new document." ma:contentTypeScope="" ma:versionID="f7677854c8ebf9a3f5b5316473638b5c">
   <xsd:schema xmlns:xsd="http://www.w3.org/2001/XMLSchema" xmlns:xs="http://www.w3.org/2001/XMLSchema" xmlns:p="http://schemas.microsoft.com/office/2006/metadata/properties" xmlns:ns2="28a701f9-6d2c-4dd4-b882-c7af20e8d6d6" xmlns:ns3="dbcd85f5-aa80-4827-a90c-e91dab3f71f9" targetNamespace="http://schemas.microsoft.com/office/2006/metadata/properties" ma:root="true" ma:fieldsID="0e95203cdcd3aeacad54066d875b0e32" ns2:_="" ns3:_="">
     <xsd:import namespace="28a701f9-6d2c-4dd4-b882-c7af20e8d6d6"/>
@@ -25963,15 +26679,6 @@
 </ct:contentTypeSchema>
 </file>
 
-<file path=customXml/item2.xml><?xml version="1.0" encoding="utf-8"?>
-<?mso-contentType ?>
-<FormTemplates xmlns="http://schemas.microsoft.com/sharepoint/v3/contenttype/forms">
-  <Display>DocumentLibraryForm</Display>
-  <Edit>DocumentLibraryForm</Edit>
-  <New>DocumentLibraryForm</New>
-</FormTemplates>
-</file>
-
 <file path=customXml/item3.xml><?xml version="1.0" encoding="utf-8"?>
 <p:properties xmlns:p="http://schemas.microsoft.com/office/2006/metadata/properties" xmlns:xsi="http://www.w3.org/2001/XMLSchema-instance" xmlns:pc="http://schemas.microsoft.com/office/infopath/2007/PartnerControls">
   <documentManagement>
@@ -25996,10 +26703,6 @@
 </file>
 
 <file path=customXml/itemProps1.xml><?xml version="1.0" encoding="utf-8"?>
-<ds:datastoreItem xmlns:ds="http://schemas.openxmlformats.org/officeDocument/2006/customXml" ds:itemID="{8E7E0924-CF19-4BD6-9F01-552F1542AC2F}"/>
-</file>
-
-<file path=customXml/itemProps2.xml><?xml version="1.0" encoding="utf-8"?>
 <ds:datastoreItem xmlns:ds="http://schemas.openxmlformats.org/officeDocument/2006/customXml" ds:itemID="{9BFD5440-0B30-4FAC-98ED-DF2F171B1756}">
   <ds:schemaRefs>
     <ds:schemaRef ds:uri="http://schemas.microsoft.com/sharepoint/v3/contenttype/forms"/>
@@ -26007,19 +26710,38 @@
 </ds:datastoreItem>
 </file>
 
+<file path=customXml/itemProps2.xml><?xml version="1.0" encoding="utf-8"?>
+<ds:datastoreItem xmlns:ds="http://schemas.openxmlformats.org/officeDocument/2006/customXml" ds:itemID="{84056006-9FD9-406F-A19E-8C2C32A28530}">
+  <ds:schemaRefs>
+    <ds:schemaRef ds:uri="http://schemas.microsoft.com/office/2006/metadata/contentType"/>
+    <ds:schemaRef ds:uri="http://schemas.microsoft.com/office/2006/metadata/properties/metaAttributes"/>
+    <ds:schemaRef ds:uri="http://www.w3.org/2001/XMLSchema"/>
+    <ds:schemaRef ds:uri="http://schemas.microsoft.com/office/2006/metadata/properties"/>
+    <ds:schemaRef ds:uri="28a701f9-6d2c-4dd4-b882-c7af20e8d6d6"/>
+    <ds:schemaRef ds:uri="dbcd85f5-aa80-4827-a90c-e91dab3f71f9"/>
+    <ds:schemaRef ds:uri="http://schemas.microsoft.com/office/2006/documentManagement/types"/>
+    <ds:schemaRef ds:uri="http://schemas.microsoft.com/office/infopath/2007/PartnerControls"/>
+    <ds:schemaRef ds:uri="http://schemas.openxmlformats.org/package/2006/metadata/core-properties"/>
+    <ds:schemaRef ds:uri="http://purl.org/dc/elements/1.1/"/>
+    <ds:schemaRef ds:uri="http://purl.org/dc/terms/"/>
+    <ds:schemaRef ds:uri="http://schemas.microsoft.com/internal/obd"/>
+  </ds:schemaRefs>
+</ds:datastoreItem>
+</file>
+
 <file path=customXml/itemProps3.xml><?xml version="1.0" encoding="utf-8"?>
 <ds:datastoreItem xmlns:ds="http://schemas.openxmlformats.org/officeDocument/2006/customXml" ds:itemID="{9287F25B-A1B5-430D-A5B7-0FB7CFE80CCC}">
   <ds:schemaRefs>
+    <ds:schemaRef ds:uri="http://www.w3.org/XML/1998/namespace"/>
+    <ds:schemaRef ds:uri="http://purl.org/dc/elements/1.1/"/>
+    <ds:schemaRef ds:uri="http://schemas.openxmlformats.org/package/2006/metadata/core-properties"/>
+    <ds:schemaRef ds:uri="http://schemas.microsoft.com/office/infopath/2007/PartnerControls"/>
+    <ds:schemaRef ds:uri="http://schemas.microsoft.com/office/2006/documentManagement/types"/>
     <ds:schemaRef ds:uri="http://purl.org/dc/terms/"/>
-    <ds:schemaRef ds:uri="http://schemas.microsoft.com/office/2006/documentManagement/types"/>
-    <ds:schemaRef ds:uri="f1769632-08ad-4519-933b-44d4f86ed710"/>
-    <ds:schemaRef ds:uri="http://purl.org/dc/elements/1.1/"/>
-    <ds:schemaRef ds:uri="http://schemas.microsoft.com/office/infopath/2007/PartnerControls"/>
-    <ds:schemaRef ds:uri="5e4aba29-1437-4a8b-96bb-40310da84681"/>
-    <ds:schemaRef ds:uri="http://schemas.openxmlformats.org/package/2006/metadata/core-properties"/>
+    <ds:schemaRef ds:uri="http://purl.org/dc/dcmitype/"/>
+    <ds:schemaRef ds:uri="dbcd85f5-aa80-4827-a90c-e91dab3f71f9"/>
+    <ds:schemaRef ds:uri="28a701f9-6d2c-4dd4-b882-c7af20e8d6d6"/>
     <ds:schemaRef ds:uri="http://schemas.microsoft.com/office/2006/metadata/properties"/>
-    <ds:schemaRef ds:uri="http://www.w3.org/XML/1998/namespace"/>
-    <ds:schemaRef ds:uri="http://purl.org/dc/dcmitype/"/>
   </ds:schemaRefs>
 </ds:datastoreItem>
 </file>